--- a/Jose/glas/tutorials/math_decimals_adding_xx/GLA_Adding_Subtracting_Rounding_Decimals.pptx
+++ b/Jose/glas/tutorials/math_decimals_adding_xx/GLA_Adding_Subtracting_Rounding_Decimals.pptx
@@ -159,6 +159,22 @@
       </a:defRPr>
     </a:lvl9pPr>
   </p:defaultTextStyle>
+  <p:extLst>
+    <p:ext uri="{EFAFB233-063F-42B5-8137-9DF3F51BA10A}">
+      <p15:sldGuideLst xmlns:p15="http://schemas.microsoft.com/office/powerpoint/2012/main">
+        <p15:guide id="1" orient="horz" pos="2160">
+          <p15:clr>
+            <a:srgbClr val="A4A3A4"/>
+          </p15:clr>
+        </p15:guide>
+        <p15:guide id="2" pos="2880">
+          <p15:clr>
+            <a:srgbClr val="A4A3A4"/>
+          </p15:clr>
+        </p15:guide>
+      </p15:sldGuideLst>
+    </p:ext>
+  </p:extLst>
 </p:presentation>
 </file>
 
@@ -244,7 +260,7 @@
           <a:p>
             <a:fld id="{F9861DD1-A8F2-4051-B1FD-27B8551EC4C6}" type="datetimeFigureOut">
               <a:rPr lang="en-US" smtClean="0"/>
-              <a:t>7/31/2013</a:t>
+              <a:t>10/15/2015</a:t>
             </a:fld>
             <a:endParaRPr lang="en-US"/>
           </a:p>
@@ -1221,7 +1237,7 @@
           <a:p>
             <a:fld id="{9BE0F106-E5D1-4C84-AC8B-70D38CCD7C5D}" type="datetimeFigureOut">
               <a:rPr lang="en-US" smtClean="0"/>
-              <a:t>7/31/2013</a:t>
+              <a:t>10/15/2015</a:t>
             </a:fld>
             <a:endParaRPr lang="en-US"/>
           </a:p>
@@ -1417,7 +1433,7 @@
           <a:p>
             <a:fld id="{9BE0F106-E5D1-4C84-AC8B-70D38CCD7C5D}" type="datetimeFigureOut">
               <a:rPr lang="en-US" smtClean="0"/>
-              <a:t>7/31/2013</a:t>
+              <a:t>10/15/2015</a:t>
             </a:fld>
             <a:endParaRPr lang="en-US"/>
           </a:p>
@@ -1602,7 +1618,7 @@
           <a:p>
             <a:fld id="{9BE0F106-E5D1-4C84-AC8B-70D38CCD7C5D}" type="datetimeFigureOut">
               <a:rPr lang="en-US" smtClean="0"/>
-              <a:t>7/31/2013</a:t>
+              <a:t>10/15/2015</a:t>
             </a:fld>
             <a:endParaRPr lang="en-US"/>
           </a:p>
@@ -1752,7 +1768,7 @@
           <a:p>
             <a:fld id="{9BE0F106-E5D1-4C84-AC8B-70D38CCD7C5D}" type="datetimeFigureOut">
               <a:rPr lang="en-US" smtClean="0"/>
-              <a:t>7/31/2013</a:t>
+              <a:t>10/15/2015</a:t>
             </a:fld>
             <a:endParaRPr lang="en-US"/>
           </a:p>
@@ -2007,7 +2023,7 @@
           <a:p>
             <a:fld id="{9BE0F106-E5D1-4C84-AC8B-70D38CCD7C5D}" type="datetimeFigureOut">
               <a:rPr lang="en-US" smtClean="0"/>
-              <a:t>7/31/2013</a:t>
+              <a:t>10/15/2015</a:t>
             </a:fld>
             <a:endParaRPr lang="en-US"/>
           </a:p>
@@ -2416,7 +2432,7 @@
           <a:p>
             <a:fld id="{9BE0F106-E5D1-4C84-AC8B-70D38CCD7C5D}" type="datetimeFigureOut">
               <a:rPr lang="en-US" smtClean="0"/>
-              <a:t>7/31/2013</a:t>
+              <a:t>10/15/2015</a:t>
             </a:fld>
             <a:endParaRPr lang="en-US"/>
           </a:p>
@@ -2862,7 +2878,7 @@
           <a:p>
             <a:fld id="{9BE0F106-E5D1-4C84-AC8B-70D38CCD7C5D}" type="datetimeFigureOut">
               <a:rPr lang="en-US" smtClean="0"/>
-              <a:t>7/31/2013</a:t>
+              <a:t>10/15/2015</a:t>
             </a:fld>
             <a:endParaRPr lang="en-US"/>
           </a:p>
@@ -2963,7 +2979,7 @@
           <a:p>
             <a:fld id="{9BE0F106-E5D1-4C84-AC8B-70D38CCD7C5D}" type="datetimeFigureOut">
               <a:rPr lang="en-US" smtClean="0"/>
-              <a:t>7/31/2013</a:t>
+              <a:t>10/15/2015</a:t>
             </a:fld>
             <a:endParaRPr lang="en-US"/>
           </a:p>
@@ -3084,7 +3100,7 @@
           <a:p>
             <a:fld id="{9BE0F106-E5D1-4C84-AC8B-70D38CCD7C5D}" type="datetimeFigureOut">
               <a:rPr lang="en-US" smtClean="0"/>
-              <a:t>7/31/2013</a:t>
+              <a:t>10/15/2015</a:t>
             </a:fld>
             <a:endParaRPr lang="en-US"/>
           </a:p>
@@ -3358,7 +3374,7 @@
           <a:p>
             <a:fld id="{9BE0F106-E5D1-4C84-AC8B-70D38CCD7C5D}" type="datetimeFigureOut">
               <a:rPr lang="en-US" smtClean="0"/>
-              <a:t>7/31/2013</a:t>
+              <a:t>10/15/2015</a:t>
             </a:fld>
             <a:endParaRPr lang="en-US"/>
           </a:p>
@@ -3563,7 +3579,7 @@
           <a:p>
             <a:fld id="{9BE0F106-E5D1-4C84-AC8B-70D38CCD7C5D}" type="datetimeFigureOut">
               <a:rPr lang="en-US" smtClean="0"/>
-              <a:t>7/31/2013</a:t>
+              <a:t>10/15/2015</a:t>
             </a:fld>
             <a:endParaRPr lang="en-US"/>
           </a:p>
@@ -4672,7 +4688,7 @@
           <a:p>
             <a:fld id="{9BE0F106-E5D1-4C84-AC8B-70D38CCD7C5D}" type="datetimeFigureOut">
               <a:rPr lang="en-US" smtClean="0"/>
-              <a:t>7/31/2013</a:t>
+              <a:t>10/15/2015</a:t>
             </a:fld>
             <a:endParaRPr lang="en-US"/>
           </a:p>
@@ -5744,7 +5760,6 @@
               <a:rPr lang="en-US" sz="3200" dirty="0" smtClean="0"/>
               <a:t>”.</a:t>
             </a:r>
-            <a:endParaRPr lang="en-US" sz="3200" dirty="0" smtClean="0"/>
           </a:p>
         </p:txBody>
       </p:sp>
@@ -5969,7 +5984,15 @@
             </a:r>
             <a:r>
               <a:rPr lang="en-US" sz="3200" dirty="0" smtClean="0"/>
-              <a:t>4 of less, you </a:t>
+              <a:t>4 </a:t>
+            </a:r>
+            <a:r>
+              <a:rPr lang="en-US" sz="3200" dirty="0" smtClean="0"/>
+              <a:t>or </a:t>
+            </a:r>
+            <a:r>
+              <a:rPr lang="en-US" sz="3200" dirty="0" smtClean="0"/>
+              <a:t>less, you </a:t>
             </a:r>
             <a:r>
               <a:rPr lang="en-US" sz="3200" u="sng" dirty="0" smtClean="0"/>
@@ -9023,7 +9046,7 @@
           <a:graphicData uri="http://schemas.openxmlformats.org/presentationml/2006/ole">
             <mc:AlternateContent xmlns:mc="http://schemas.openxmlformats.org/markup-compatibility/2006">
               <mc:Choice xmlns:v="urn:schemas-microsoft-com:vml" Requires="v">
-                <p:oleObj spid="_x0000_s46094" name="Equation" r:id="rId3" imgW="495000" imgH="634680" progId="Equation.DSMT4">
+                <p:oleObj spid="_x0000_s46095" name="Equation" r:id="rId3" imgW="495000" imgH="634680" progId="Equation.DSMT4">
                   <p:embed/>
                 </p:oleObj>
               </mc:Choice>
@@ -9108,11 +9131,7 @@
             </a:pPr>
             <a:r>
               <a:rPr lang="en-US" sz="3200" dirty="0" smtClean="0"/>
-              <a:t>For another </a:t>
-            </a:r>
-            <a:r>
-              <a:rPr lang="en-US" sz="3200" dirty="0" smtClean="0"/>
-              <a:t>example</a:t>
+              <a:t>For another example</a:t>
             </a:r>
             <a:r>
               <a:rPr lang="en-US" sz="3200" dirty="0"/>
@@ -9210,19 +9229,7 @@
             </a:pPr>
             <a:r>
               <a:rPr lang="en-US" sz="2800" dirty="0" smtClean="0"/>
-              <a:t>To add</a:t>
-            </a:r>
-            <a:r>
-              <a:rPr lang="en-US" sz="2800" dirty="0" smtClean="0"/>
-              <a:t> </a:t>
-            </a:r>
-            <a:r>
-              <a:rPr lang="en-US" sz="2800" dirty="0" smtClean="0"/>
-              <a:t>0.8712 + </a:t>
-            </a:r>
-            <a:r>
-              <a:rPr lang="en-US" sz="2800" dirty="0" smtClean="0"/>
-              <a:t>12.6, we would </a:t>
+              <a:t>To add 0.8712 + 12.6, we would </a:t>
             </a:r>
             <a:r>
               <a:rPr lang="en-US" sz="2800" dirty="0"/>
@@ -9316,7 +9323,7 @@
           <a:graphicData uri="http://schemas.openxmlformats.org/presentationml/2006/ole">
             <mc:AlternateContent xmlns:mc="http://schemas.openxmlformats.org/markup-compatibility/2006">
               <mc:Choice xmlns:v="urn:schemas-microsoft-com:vml" Requires="v">
-                <p:oleObj spid="_x0000_s47117" name="Equation" r:id="rId3" imgW="622080" imgH="634680" progId="Equation.DSMT4">
+                <p:oleObj spid="_x0000_s47118" name="Equation" r:id="rId3" imgW="622080" imgH="634680" progId="Equation.DSMT4">
                   <p:embed/>
                 </p:oleObj>
               </mc:Choice>
@@ -9401,11 +9408,7 @@
             </a:pPr>
             <a:r>
               <a:rPr lang="en-US" sz="2800" dirty="0" smtClean="0"/>
-              <a:t>Here’s another example: let’s </a:t>
-            </a:r>
-            <a:r>
-              <a:rPr lang="en-US" sz="2800" dirty="0" smtClean="0"/>
-              <a:t>add the following:  $45.87 + $396.94</a:t>
+              <a:t>Here’s another example: let’s add the following:  $45.87 + $396.94</a:t>
             </a:r>
           </a:p>
           <a:p>
@@ -9489,27 +9492,7 @@
             </a:pPr>
             <a:r>
               <a:rPr lang="en-US" sz="2800" dirty="0" smtClean="0"/>
-              <a:t>When we add </a:t>
-            </a:r>
-            <a:r>
-              <a:rPr lang="en-US" sz="2800" dirty="0" smtClean="0"/>
-              <a:t>$45.87 + $</a:t>
-            </a:r>
-            <a:r>
-              <a:rPr lang="en-US" sz="2800" dirty="0" smtClean="0"/>
-              <a:t>396.94, we notice that both numbers end in the </a:t>
-            </a:r>
-            <a:r>
-              <a:rPr lang="en-US" sz="2800" dirty="0" smtClean="0"/>
-              <a:t>hundredths place</a:t>
-            </a:r>
-            <a:r>
-              <a:rPr lang="en-US" sz="2800" dirty="0" smtClean="0"/>
-              <a:t>, so </a:t>
-            </a:r>
-            <a:r>
-              <a:rPr lang="en-US" sz="2800" dirty="0" smtClean="0"/>
-              <a:t>we simply line up the decimal points and add.</a:t>
+              <a:t>When we add $45.87 + $396.94, we notice that both numbers end in the hundredths place, so we simply line up the decimal points and add.</a:t>
             </a:r>
             <a:endParaRPr lang="en-US" sz="3200" dirty="0"/>
           </a:p>
@@ -9566,7 +9549,7 @@
           <a:graphicData uri="http://schemas.openxmlformats.org/presentationml/2006/ole">
             <mc:AlternateContent xmlns:mc="http://schemas.openxmlformats.org/markup-compatibility/2006">
               <mc:Choice xmlns:v="urn:schemas-microsoft-com:vml" Requires="v">
-                <p:oleObj spid="_x0000_s49165" name="Equation" r:id="rId3" imgW="571320" imgH="634680" progId="Equation.DSMT4">
+                <p:oleObj spid="_x0000_s49166" name="Equation" r:id="rId3" imgW="571320" imgH="634680" progId="Equation.DSMT4">
                   <p:embed/>
                 </p:oleObj>
               </mc:Choice>
@@ -9710,7 +9693,7 @@
           <a:graphicData uri="http://schemas.openxmlformats.org/presentationml/2006/ole">
             <mc:AlternateContent xmlns:mc="http://schemas.openxmlformats.org/markup-compatibility/2006">
               <mc:Choice xmlns:v="urn:schemas-microsoft-com:vml" Requires="v">
-                <p:oleObj spid="_x0000_s2168" name="Equation" r:id="rId3" imgW="203040" imgH="393480" progId="Equation.DSMT4">
+                <p:oleObj spid="_x0000_s2169" name="Equation" r:id="rId3" imgW="203040" imgH="393480" progId="Equation.DSMT4">
                   <p:embed/>
                 </p:oleObj>
               </mc:Choice>
@@ -9801,11 +9784,7 @@
             </a:pPr>
             <a:r>
               <a:rPr lang="en-US" sz="2800" dirty="0" smtClean="0"/>
-              <a:t>Let’s now add: </a:t>
-            </a:r>
-            <a:r>
-              <a:rPr lang="en-US" sz="2800" dirty="0" smtClean="0"/>
-              <a:t>13 + 0.974 + 16.8</a:t>
+              <a:t>Let’s now add: 13 + 0.974 + 16.8</a:t>
             </a:r>
           </a:p>
           <a:p>
@@ -9868,7 +9847,7 @@
           <a:graphicData uri="http://schemas.openxmlformats.org/presentationml/2006/ole">
             <mc:AlternateContent xmlns:mc="http://schemas.openxmlformats.org/markup-compatibility/2006">
               <mc:Choice xmlns:v="urn:schemas-microsoft-com:vml" Requires="v">
-                <p:oleObj spid="_x0000_s50189" name="Equation" r:id="rId3" imgW="545760" imgH="863280" progId="Equation.DSMT4">
+                <p:oleObj spid="_x0000_s50190" name="Equation" r:id="rId3" imgW="545760" imgH="863280" progId="Equation.DSMT4">
                   <p:embed/>
                 </p:oleObj>
               </mc:Choice>
@@ -10177,7 +10156,7 @@
           <a:graphicData uri="http://schemas.openxmlformats.org/presentationml/2006/ole">
             <mc:AlternateContent xmlns:mc="http://schemas.openxmlformats.org/markup-compatibility/2006">
               <mc:Choice xmlns:v="urn:schemas-microsoft-com:vml" Requires="v">
-                <p:oleObj spid="_x0000_s51214" name="Equation" r:id="rId3" imgW="799920" imgH="863280" progId="Equation.DSMT4">
+                <p:oleObj spid="_x0000_s51215" name="Equation" r:id="rId3" imgW="799920" imgH="863280" progId="Equation.DSMT4">
                   <p:embed/>
                 </p:oleObj>
               </mc:Choice>
@@ -10406,7 +10385,7 @@
           <a:graphicData uri="http://schemas.openxmlformats.org/presentationml/2006/ole">
             <mc:AlternateContent xmlns:mc="http://schemas.openxmlformats.org/markup-compatibility/2006">
               <mc:Choice xmlns:v="urn:schemas-microsoft-com:vml" Requires="v">
-                <p:oleObj spid="_x0000_s52236" name="Equation" r:id="rId3" imgW="787320" imgH="863280" progId="Equation.DSMT4">
+                <p:oleObj spid="_x0000_s52237" name="Equation" r:id="rId3" imgW="787320" imgH="863280" progId="Equation.DSMT4">
                   <p:embed/>
                 </p:oleObj>
               </mc:Choice>
@@ -10562,7 +10541,7 @@
           <a:graphicData uri="http://schemas.openxmlformats.org/presentationml/2006/ole">
             <mc:AlternateContent xmlns:mc="http://schemas.openxmlformats.org/markup-compatibility/2006">
               <mc:Choice xmlns:v="urn:schemas-microsoft-com:vml" Requires="v">
-                <p:oleObj spid="_x0000_s53262" name="Equation" r:id="rId3" imgW="1066680" imgH="863280" progId="Equation.DSMT4">
+                <p:oleObj spid="_x0000_s53263" name="Equation" r:id="rId3" imgW="1066680" imgH="863280" progId="Equation.DSMT4">
                   <p:embed/>
                 </p:oleObj>
               </mc:Choice>
@@ -11136,7 +11115,7 @@
           <a:graphicData uri="http://schemas.openxmlformats.org/presentationml/2006/ole">
             <mc:AlternateContent xmlns:mc="http://schemas.openxmlformats.org/markup-compatibility/2006">
               <mc:Choice xmlns:v="urn:schemas-microsoft-com:vml" Requires="v">
-                <p:oleObj spid="_x0000_s45080" name="Equation" r:id="rId3" imgW="279360" imgH="393480" progId="Equation.DSMT4">
+                <p:oleObj spid="_x0000_s45081" name="Equation" r:id="rId3" imgW="279360" imgH="393480" progId="Equation.DSMT4">
                   <p:embed/>
                 </p:oleObj>
               </mc:Choice>
